--- a/ppt/도서관리.pptx
+++ b/ppt/도서관리.pptx
@@ -5,7 +5,7 @@
     <p:sldMasterId id="2147483648" r:id="rId1"/>
   </p:sldMasterIdLst>
   <p:notesMasterIdLst>
-    <p:notesMasterId r:id="rId13"/>
+    <p:notesMasterId r:id="rId14"/>
   </p:notesMasterIdLst>
   <p:sldIdLst>
     <p:sldId id="257" r:id="rId2"/>
@@ -18,7 +18,8 @@
     <p:sldId id="291" r:id="rId9"/>
     <p:sldId id="296" r:id="rId10"/>
     <p:sldId id="300" r:id="rId11"/>
-    <p:sldId id="259" r:id="rId12"/>
+    <p:sldId id="301" r:id="rId12"/>
+    <p:sldId id="259" r:id="rId13"/>
   </p:sldIdLst>
   <p:sldSz cx="9144000" cy="6858000" type="screen4x3"/>
   <p:notesSz cx="6858000" cy="9144000"/>
@@ -219,7 +220,7 @@
             <a:fld id="{65771C21-3757-4199-83DE-22960358A2A5}" type="datetimeFigureOut">
               <a:rPr lang="ko-KR" altLang="en-US" smtClean="0"/>
               <a:pPr/>
-              <a:t>2021-04-27</a:t>
+              <a:t>2021-04-28</a:t>
             </a:fld>
             <a:endParaRPr lang="ko-KR" altLang="en-US" dirty="0"/>
           </a:p>
@@ -813,6 +814,117 @@
     </p:spTree>
     <p:extLst>
       <p:ext uri="{BB962C8B-B14F-4D97-AF65-F5344CB8AC3E}">
+        <p14:creationId xmlns:p14="http://schemas.microsoft.com/office/powerpoint/2010/main" val="1107488895"/>
+      </p:ext>
+    </p:extLst>
+  </p:cSld>
+  <p:clrMapOvr>
+    <a:masterClrMapping/>
+  </p:clrMapOvr>
+</p:notes>
+</file>
+
+<file path=ppt/notesSlides/notesSlide12.xml><?xml version="1.0" encoding="utf-8"?>
+<p:notes xmlns:a="http://schemas.openxmlformats.org/drawingml/2006/main" xmlns:r="http://schemas.openxmlformats.org/officeDocument/2006/relationships" xmlns:p="http://schemas.openxmlformats.org/presentationml/2006/main">
+  <p:cSld>
+    <p:spTree>
+      <p:nvGrpSpPr>
+        <p:cNvPr id="1" name=""/>
+        <p:cNvGrpSpPr/>
+        <p:nvPr/>
+      </p:nvGrpSpPr>
+      <p:grpSpPr>
+        <a:xfrm>
+          <a:off x="0" y="0"/>
+          <a:ext cx="0" cy="0"/>
+          <a:chOff x="0" y="0"/>
+          <a:chExt cx="0" cy="0"/>
+        </a:xfrm>
+      </p:grpSpPr>
+      <p:sp>
+        <p:nvSpPr>
+          <p:cNvPr id="2" name="슬라이드 이미지 개체 틀 1"/>
+          <p:cNvSpPr>
+            <a:spLocks noGrp="1" noRot="1" noChangeAspect="1"/>
+          </p:cNvSpPr>
+          <p:nvPr>
+            <p:ph type="sldImg"/>
+          </p:nvPr>
+        </p:nvSpPr>
+        <p:spPr/>
+      </p:sp>
+      <p:sp>
+        <p:nvSpPr>
+          <p:cNvPr id="3" name="슬라이드 노트 개체 틀 2"/>
+          <p:cNvSpPr>
+            <a:spLocks noGrp="1"/>
+          </p:cNvSpPr>
+          <p:nvPr>
+            <p:ph type="body" idx="1"/>
+          </p:nvPr>
+        </p:nvSpPr>
+        <p:spPr/>
+        <p:txBody>
+          <a:bodyPr>
+            <a:normAutofit/>
+          </a:bodyPr>
+          <a:lstStyle/>
+          <a:p>
+            <a:pPr marL="0" marR="0" indent="0" algn="l" defTabSz="914400" rtl="0" eaLnBrk="1" fontAlgn="auto" latinLnBrk="1" hangingPunct="1">
+              <a:lnSpc>
+                <a:spcPct val="100000"/>
+              </a:lnSpc>
+              <a:spcBef>
+                <a:spcPts val="0"/>
+              </a:spcBef>
+              <a:spcAft>
+                <a:spcPts val="0"/>
+              </a:spcAft>
+              <a:buClrTx/>
+              <a:buSzTx/>
+              <a:buFontTx/>
+              <a:buNone/>
+              <a:tabLst/>
+              <a:defRPr/>
+            </a:pPr>
+            <a:r>
+              <a:rPr lang="en-US" altLang="ko-KR" sz="1200" dirty="0" smtClean="0"/>
+              <a:t>http://minheeblog.tistory.com/category/PPT</a:t>
+            </a:r>
+            <a:endParaRPr lang="ko-KR" altLang="en-US" sz="1200" dirty="0" smtClean="0"/>
+          </a:p>
+          <a:p>
+            <a:endParaRPr lang="ko-KR" altLang="en-US" dirty="0"/>
+          </a:p>
+        </p:txBody>
+      </p:sp>
+      <p:sp>
+        <p:nvSpPr>
+          <p:cNvPr id="4" name="슬라이드 번호 개체 틀 3"/>
+          <p:cNvSpPr>
+            <a:spLocks noGrp="1"/>
+          </p:cNvSpPr>
+          <p:nvPr>
+            <p:ph type="sldNum" sz="quarter" idx="10"/>
+          </p:nvPr>
+        </p:nvSpPr>
+        <p:spPr/>
+        <p:txBody>
+          <a:bodyPr/>
+          <a:lstStyle/>
+          <a:p>
+            <a:fld id="{04A4E647-5A0F-41E6-A0EF-B58D8C1C6CD4}" type="slidenum">
+              <a:rPr lang="ko-KR" altLang="en-US" smtClean="0"/>
+              <a:pPr/>
+              <a:t>12</a:t>
+            </a:fld>
+            <a:endParaRPr lang="ko-KR" altLang="en-US" dirty="0"/>
+          </a:p>
+        </p:txBody>
+      </p:sp>
+    </p:spTree>
+    <p:extLst>
+      <p:ext uri="{BB962C8B-B14F-4D97-AF65-F5344CB8AC3E}">
         <p14:creationId xmlns:p14="http://schemas.microsoft.com/office/powerpoint/2010/main" val="152505397"/>
       </p:ext>
     </p:extLst>
@@ -1893,7 +2005,7 @@
             <a:fld id="{A22FE722-38C7-4231-8BB5-7A27D4E5977D}" type="datetimeFigureOut">
               <a:rPr lang="ko-KR" altLang="en-US" smtClean="0"/>
               <a:pPr/>
-              <a:t>2021-04-27</a:t>
+              <a:t>2021-04-28</a:t>
             </a:fld>
             <a:endParaRPr lang="ko-KR" altLang="en-US" dirty="0"/>
           </a:p>
@@ -2060,7 +2172,7 @@
             <a:fld id="{A22FE722-38C7-4231-8BB5-7A27D4E5977D}" type="datetimeFigureOut">
               <a:rPr lang="ko-KR" altLang="en-US" smtClean="0"/>
               <a:pPr/>
-              <a:t>2021-04-27</a:t>
+              <a:t>2021-04-28</a:t>
             </a:fld>
             <a:endParaRPr lang="ko-KR" altLang="en-US" dirty="0"/>
           </a:p>
@@ -2237,7 +2349,7 @@
             <a:fld id="{A22FE722-38C7-4231-8BB5-7A27D4E5977D}" type="datetimeFigureOut">
               <a:rPr lang="ko-KR" altLang="en-US" smtClean="0"/>
               <a:pPr/>
-              <a:t>2021-04-27</a:t>
+              <a:t>2021-04-28</a:t>
             </a:fld>
             <a:endParaRPr lang="ko-KR" altLang="en-US" dirty="0"/>
           </a:p>
@@ -2404,7 +2516,7 @@
             <a:fld id="{A22FE722-38C7-4231-8BB5-7A27D4E5977D}" type="datetimeFigureOut">
               <a:rPr lang="ko-KR" altLang="en-US" smtClean="0"/>
               <a:pPr/>
-              <a:t>2021-04-27</a:t>
+              <a:t>2021-04-28</a:t>
             </a:fld>
             <a:endParaRPr lang="ko-KR" altLang="en-US" dirty="0"/>
           </a:p>
@@ -2647,7 +2759,7 @@
             <a:fld id="{A22FE722-38C7-4231-8BB5-7A27D4E5977D}" type="datetimeFigureOut">
               <a:rPr lang="ko-KR" altLang="en-US" smtClean="0"/>
               <a:pPr/>
-              <a:t>2021-04-27</a:t>
+              <a:t>2021-04-28</a:t>
             </a:fld>
             <a:endParaRPr lang="ko-KR" altLang="en-US" dirty="0"/>
           </a:p>
@@ -2932,7 +3044,7 @@
             <a:fld id="{A22FE722-38C7-4231-8BB5-7A27D4E5977D}" type="datetimeFigureOut">
               <a:rPr lang="ko-KR" altLang="en-US" smtClean="0"/>
               <a:pPr/>
-              <a:t>2021-04-27</a:t>
+              <a:t>2021-04-28</a:t>
             </a:fld>
             <a:endParaRPr lang="ko-KR" altLang="en-US" dirty="0"/>
           </a:p>
@@ -3351,7 +3463,7 @@
             <a:fld id="{A22FE722-38C7-4231-8BB5-7A27D4E5977D}" type="datetimeFigureOut">
               <a:rPr lang="ko-KR" altLang="en-US" smtClean="0"/>
               <a:pPr/>
-              <a:t>2021-04-27</a:t>
+              <a:t>2021-04-28</a:t>
             </a:fld>
             <a:endParaRPr lang="ko-KR" altLang="en-US" dirty="0"/>
           </a:p>
@@ -3466,7 +3578,7 @@
             <a:fld id="{A22FE722-38C7-4231-8BB5-7A27D4E5977D}" type="datetimeFigureOut">
               <a:rPr lang="ko-KR" altLang="en-US" smtClean="0"/>
               <a:pPr/>
-              <a:t>2021-04-27</a:t>
+              <a:t>2021-04-28</a:t>
             </a:fld>
             <a:endParaRPr lang="ko-KR" altLang="en-US" dirty="0"/>
           </a:p>
@@ -3558,7 +3670,7 @@
             <a:fld id="{A22FE722-38C7-4231-8BB5-7A27D4E5977D}" type="datetimeFigureOut">
               <a:rPr lang="ko-KR" altLang="en-US" smtClean="0"/>
               <a:pPr/>
-              <a:t>2021-04-27</a:t>
+              <a:t>2021-04-28</a:t>
             </a:fld>
             <a:endParaRPr lang="ko-KR" altLang="en-US" dirty="0"/>
           </a:p>
@@ -3839,7 +3951,7 @@
             <a:fld id="{A22FE722-38C7-4231-8BB5-7A27D4E5977D}" type="datetimeFigureOut">
               <a:rPr lang="ko-KR" altLang="en-US" smtClean="0"/>
               <a:pPr/>
-              <a:t>2021-04-27</a:t>
+              <a:t>2021-04-28</a:t>
             </a:fld>
             <a:endParaRPr lang="ko-KR" altLang="en-US" dirty="0"/>
           </a:p>
@@ -4089,7 +4201,7 @@
             <a:fld id="{A22FE722-38C7-4231-8BB5-7A27D4E5977D}" type="datetimeFigureOut">
               <a:rPr lang="ko-KR" altLang="en-US" smtClean="0"/>
               <a:pPr/>
-              <a:t>2021-04-27</a:t>
+              <a:t>2021-04-28</a:t>
             </a:fld>
             <a:endParaRPr lang="ko-KR" altLang="en-US" dirty="0"/>
           </a:p>
@@ -4299,7 +4411,7 @@
             <a:fld id="{A22FE722-38C7-4231-8BB5-7A27D4E5977D}" type="datetimeFigureOut">
               <a:rPr lang="ko-KR" altLang="en-US" smtClean="0"/>
               <a:pPr/>
-              <a:t>2021-04-27</a:t>
+              <a:t>2021-04-28</a:t>
             </a:fld>
             <a:endParaRPr lang="ko-KR" altLang="en-US" dirty="0"/>
           </a:p>
@@ -5195,6 +5307,151 @@
 <file path=ppt/slides/slide11.xml><?xml version="1.0" encoding="utf-8"?>
 <p:sld xmlns:a="http://schemas.openxmlformats.org/drawingml/2006/main" xmlns:r="http://schemas.openxmlformats.org/officeDocument/2006/relationships" xmlns:p="http://schemas.openxmlformats.org/presentationml/2006/main">
   <p:cSld>
+    <p:spTree>
+      <p:nvGrpSpPr>
+        <p:cNvPr id="1" name=""/>
+        <p:cNvGrpSpPr/>
+        <p:nvPr/>
+      </p:nvGrpSpPr>
+      <p:grpSpPr>
+        <a:xfrm>
+          <a:off x="0" y="0"/>
+          <a:ext cx="0" cy="0"/>
+          <a:chOff x="0" y="0"/>
+          <a:chExt cx="0" cy="0"/>
+        </a:xfrm>
+      </p:grpSpPr>
+      <p:sp>
+        <p:nvSpPr>
+          <p:cNvPr id="31" name="직사각형 30"/>
+          <p:cNvSpPr/>
+          <p:nvPr/>
+        </p:nvSpPr>
+        <p:spPr>
+          <a:xfrm>
+            <a:off x="1835696" y="1412776"/>
+            <a:ext cx="1502335" cy="276999"/>
+          </a:xfrm>
+          <a:prstGeom prst="rect">
+            <a:avLst/>
+          </a:prstGeom>
+        </p:spPr>
+        <p:txBody>
+          <a:bodyPr wrap="none">
+            <a:spAutoFit/>
+          </a:bodyPr>
+          <a:lstStyle/>
+          <a:p>
+            <a:pPr algn="ctr"/>
+            <a:r>
+              <a:rPr lang="ko-KR" altLang="en-US" sz="1200" b="1" spc="-150" dirty="0" smtClean="0">
+                <a:solidFill>
+                  <a:schemeClr val="bg1"/>
+                </a:solidFill>
+              </a:rPr>
+              <a:t>대출 반납 상세 페이지</a:t>
+            </a:r>
+            <a:endParaRPr lang="ko-KR" altLang="en-US" sz="1200" b="1" spc="-150" dirty="0">
+              <a:solidFill>
+                <a:schemeClr val="bg1"/>
+              </a:solidFill>
+            </a:endParaRPr>
+          </a:p>
+        </p:txBody>
+      </p:sp>
+      <p:sp>
+        <p:nvSpPr>
+          <p:cNvPr id="91" name="TextBox 90"/>
+          <p:cNvSpPr txBox="1"/>
+          <p:nvPr/>
+        </p:nvSpPr>
+        <p:spPr>
+          <a:xfrm>
+            <a:off x="5364088" y="271681"/>
+            <a:ext cx="3600400" cy="276999"/>
+          </a:xfrm>
+          <a:prstGeom prst="rect">
+            <a:avLst/>
+          </a:prstGeom>
+          <a:noFill/>
+        </p:spPr>
+        <p:txBody>
+          <a:bodyPr wrap="square" rtlCol="0">
+            <a:spAutoFit/>
+          </a:bodyPr>
+          <a:lstStyle/>
+          <a:p>
+            <a:pPr algn="dist"/>
+            <a:r>
+              <a:rPr lang="en-US" altLang="ko-KR" sz="1200" dirty="0" smtClean="0">
+                <a:solidFill>
+                  <a:schemeClr val="bg1"/>
+                </a:solidFill>
+              </a:rPr>
+              <a:t>PROJECT</a:t>
+            </a:r>
+            <a:endParaRPr lang="ko-KR" altLang="en-US" sz="1200" dirty="0" smtClean="0">
+              <a:solidFill>
+                <a:schemeClr val="bg1"/>
+              </a:solidFill>
+            </a:endParaRPr>
+          </a:p>
+        </p:txBody>
+      </p:sp>
+      <p:sp>
+        <p:nvSpPr>
+          <p:cNvPr id="3" name="TextBox 2"/>
+          <p:cNvSpPr txBox="1"/>
+          <p:nvPr/>
+        </p:nvSpPr>
+        <p:spPr>
+          <a:xfrm>
+            <a:off x="755576" y="2924944"/>
+            <a:ext cx="7200800" cy="369332"/>
+          </a:xfrm>
+          <a:prstGeom prst="rect">
+            <a:avLst/>
+          </a:prstGeom>
+          <a:noFill/>
+        </p:spPr>
+        <p:txBody>
+          <a:bodyPr wrap="square" rtlCol="0">
+            <a:spAutoFit/>
+          </a:bodyPr>
+          <a:lstStyle/>
+          <a:p>
+            <a:pPr algn="ctr"/>
+            <a:r>
+              <a:rPr lang="ko-KR" altLang="en-US" dirty="0" smtClean="0"/>
+              <a:t>대여 반납 미 구현</a:t>
+            </a:r>
+            <a:endParaRPr lang="ko-KR" altLang="en-US" dirty="0"/>
+          </a:p>
+        </p:txBody>
+      </p:sp>
+    </p:spTree>
+    <p:extLst>
+      <p:ext uri="{BB962C8B-B14F-4D97-AF65-F5344CB8AC3E}">
+        <p14:creationId xmlns:p14="http://schemas.microsoft.com/office/powerpoint/2010/main" val="3520773200"/>
+      </p:ext>
+    </p:extLst>
+  </p:cSld>
+  <p:clrMapOvr>
+    <a:masterClrMapping/>
+  </p:clrMapOvr>
+  <p:timing>
+    <p:tnLst>
+      <p:par>
+        <p:cTn id="1" dur="indefinite" restart="never" nodeType="tmRoot"/>
+      </p:par>
+    </p:tnLst>
+  </p:timing>
+</p:sld>
+</file>
+
+<file path=ppt/slides/slide12.xml><?xml version="1.0" encoding="utf-8"?>
+<p:sld xmlns:a="http://schemas.openxmlformats.org/drawingml/2006/main" xmlns:r="http://schemas.openxmlformats.org/officeDocument/2006/relationships" xmlns:p="http://schemas.openxmlformats.org/presentationml/2006/main">
+  <p:cSld>
     <p:bg>
       <p:bgPr>
         <a:solidFill>
@@ -5342,11 +5599,6 @@
               </a:rPr>
               <a:t>THANK You</a:t>
             </a:r>
-            <a:endParaRPr lang="en-US" altLang="ko-KR" sz="5400" b="1" dirty="0" smtClean="0">
-              <a:solidFill>
-                <a:schemeClr val="bg1"/>
-              </a:solidFill>
-            </a:endParaRPr>
           </a:p>
           <a:p>
             <a:pPr algn="ctr"/>
@@ -7525,7 +7777,7 @@
           <p:cNvPr id="30" name="직사각형 29">
             <a:extLst>
               <a:ext uri="{FF2B5EF4-FFF2-40B4-BE49-F238E27FC236}">
-                <a16:creationId xmlns:a16="http://schemas.microsoft.com/office/drawing/2014/main" xmlns="" id="{3FA00699-5178-465A-9F3F-130CF1431F70}"/>
+                <a16:creationId xmlns="" xmlns:a16="http://schemas.microsoft.com/office/drawing/2014/main" id="{3FA00699-5178-465A-9F3F-130CF1431F70}"/>
               </a:ext>
             </a:extLst>
           </p:cNvPr>
@@ -7586,7 +7838,7 @@
           <p:cNvPr id="31" name="직사각형 30">
             <a:extLst>
               <a:ext uri="{FF2B5EF4-FFF2-40B4-BE49-F238E27FC236}">
-                <a16:creationId xmlns:a16="http://schemas.microsoft.com/office/drawing/2014/main" xmlns="" id="{3FA00699-5178-465A-9F3F-130CF1431F70}"/>
+                <a16:creationId xmlns="" xmlns:a16="http://schemas.microsoft.com/office/drawing/2014/main" id="{3FA00699-5178-465A-9F3F-130CF1431F70}"/>
               </a:ext>
             </a:extLst>
           </p:cNvPr>
@@ -7639,7 +7891,7 @@
           <p:cNvPr id="32" name="직사각형 31">
             <a:extLst>
               <a:ext uri="{FF2B5EF4-FFF2-40B4-BE49-F238E27FC236}">
-                <a16:creationId xmlns:a16="http://schemas.microsoft.com/office/drawing/2014/main" xmlns="" id="{3FA00699-5178-465A-9F3F-130CF1431F70}"/>
+                <a16:creationId xmlns="" xmlns:a16="http://schemas.microsoft.com/office/drawing/2014/main" id="{3FA00699-5178-465A-9F3F-130CF1431F70}"/>
               </a:ext>
             </a:extLst>
           </p:cNvPr>
@@ -7720,7 +7972,7 @@
           <p:cNvPr id="33" name="직사각형 32">
             <a:extLst>
               <a:ext uri="{FF2B5EF4-FFF2-40B4-BE49-F238E27FC236}">
-                <a16:creationId xmlns:a16="http://schemas.microsoft.com/office/drawing/2014/main" xmlns="" id="{3FA00699-5178-465A-9F3F-130CF1431F70}"/>
+                <a16:creationId xmlns="" xmlns:a16="http://schemas.microsoft.com/office/drawing/2014/main" id="{3FA00699-5178-465A-9F3F-130CF1431F70}"/>
               </a:ext>
             </a:extLst>
           </p:cNvPr>
@@ -7773,7 +8025,7 @@
           <p:cNvPr id="34" name="직사각형 33">
             <a:extLst>
               <a:ext uri="{FF2B5EF4-FFF2-40B4-BE49-F238E27FC236}">
-                <a16:creationId xmlns:a16="http://schemas.microsoft.com/office/drawing/2014/main" xmlns="" id="{3FA00699-5178-465A-9F3F-130CF1431F70}"/>
+                <a16:creationId xmlns="" xmlns:a16="http://schemas.microsoft.com/office/drawing/2014/main" id="{3FA00699-5178-465A-9F3F-130CF1431F70}"/>
               </a:ext>
             </a:extLst>
           </p:cNvPr>
@@ -7831,7 +8083,7 @@
           <p:cNvPr id="35" name="직사각형 34">
             <a:extLst>
               <a:ext uri="{FF2B5EF4-FFF2-40B4-BE49-F238E27FC236}">
-                <a16:creationId xmlns:a16="http://schemas.microsoft.com/office/drawing/2014/main" xmlns="" id="{3FA00699-5178-465A-9F3F-130CF1431F70}"/>
+                <a16:creationId xmlns="" xmlns:a16="http://schemas.microsoft.com/office/drawing/2014/main" id="{3FA00699-5178-465A-9F3F-130CF1431F70}"/>
               </a:ext>
             </a:extLst>
           </p:cNvPr>
@@ -9772,8 +10024,8 @@
         </p:nvCxnSpPr>
         <p:spPr>
           <a:xfrm flipH="1">
-            <a:off x="4421351" y="1692337"/>
-            <a:ext cx="18256" cy="1645765"/>
+            <a:off x="4499990" y="2106986"/>
+            <a:ext cx="9038" cy="1286010"/>
           </a:xfrm>
           <a:prstGeom prst="straightConnector1">
             <a:avLst/>
@@ -9838,6 +10090,63 @@
           </a:fontRef>
         </p:style>
       </p:cxnSp>
+      <p:sp>
+        <p:nvSpPr>
+          <p:cNvPr id="19" name="직사각형 18"/>
+          <p:cNvSpPr/>
+          <p:nvPr/>
+        </p:nvSpPr>
+        <p:spPr>
+          <a:xfrm>
+            <a:off x="-1" y="1960376"/>
+            <a:ext cx="4499991" cy="154478"/>
+          </a:xfrm>
+          <a:prstGeom prst="rect">
+            <a:avLst/>
+          </a:prstGeom>
+          <a:noFill/>
+          <a:ln>
+            <a:solidFill>
+              <a:srgbClr val="FF0000"/>
+            </a:solidFill>
+          </a:ln>
+        </p:spPr>
+        <p:style>
+          <a:lnRef idx="2">
+            <a:schemeClr val="accent1">
+              <a:shade val="50000"/>
+            </a:schemeClr>
+          </a:lnRef>
+          <a:fillRef idx="1">
+            <a:schemeClr val="accent1"/>
+          </a:fillRef>
+          <a:effectRef idx="0">
+            <a:schemeClr val="accent1"/>
+          </a:effectRef>
+          <a:fontRef idx="minor">
+            <a:schemeClr val="lt1"/>
+          </a:fontRef>
+        </p:style>
+        <p:txBody>
+          <a:bodyPr rot="0" spcFirstLastPara="0" vertOverflow="overflow" horzOverflow="overflow" vert="horz" wrap="square" lIns="91440" tIns="45720" rIns="91440" bIns="45720" numCol="1" spcCol="0" rtlCol="0" fromWordArt="0" anchor="ctr" anchorCtr="0" forceAA="0" compatLnSpc="1">
+            <a:prstTxWarp prst="textNoShape">
+              <a:avLst/>
+            </a:prstTxWarp>
+            <a:noAutofit/>
+          </a:bodyPr>
+          <a:lstStyle/>
+          <a:p>
+            <a:pPr algn="ctr"/>
+            <a:endParaRPr lang="ko-KR" altLang="en-US" sz="1400" dirty="0">
+              <a:solidFill>
+                <a:schemeClr val="accent1">
+                  <a:lumMod val="75000"/>
+                </a:schemeClr>
+              </a:solidFill>
+            </a:endParaRPr>
+          </a:p>
+        </p:txBody>
+      </p:sp>
     </p:spTree>
     <p:extLst>
       <p:ext uri="{BB962C8B-B14F-4D97-AF65-F5344CB8AC3E}">
